--- a/PROJECT PRE.pptx
+++ b/PROJECT PRE.pptx
@@ -18751,6 +18751,16 @@
               <a:rPr lang="en-GB" dirty="0"/>
               <a:t>SYSTEM APPROACH</a:t>
             </a:r>
+            <a:br>
+              <a:rPr lang="en-GB" dirty="0"/>
+            </a:br>
+            <a:br>
+              <a:rPr lang="en-GB"/>
+            </a:br>
+            <a:r>
+              <a:rPr lang="en-GB"/>
+              <a:t>System</a:t>
+            </a:r>
             <a:endParaRPr lang="en-IN" dirty="0"/>
           </a:p>
         </p:txBody>
@@ -21146,26 +21156,6 @@
 </file>
 
 <file path=customXml/item2.xml><?xml version="1.0" encoding="utf-8"?>
-<p:properties xmlns:p="http://schemas.microsoft.com/office/2006/metadata/properties" xmlns:xsi="http://www.w3.org/2001/XMLSchema-instance" xmlns:pc="http://schemas.microsoft.com/office/infopath/2007/PartnerControls">
-  <documentManagement>
-    <Background xmlns="71af3243-3dd4-4a8d-8c0d-dd76da1f02a5">false</Background>
-    <Status xmlns="71af3243-3dd4-4a8d-8c0d-dd76da1f02a5">Not started</Status>
-    <_ip_UnifiedCompliancePolicyUIAction xmlns="http://schemas.microsoft.com/sharepoint/v3" xsi:nil="true"/>
-    <Image xmlns="71af3243-3dd4-4a8d-8c0d-dd76da1f02a5">
-      <Url xsi:nil="true"/>
-      <Description xsi:nil="true"/>
-    </Image>
-    <_ip_UnifiedCompliancePolicyProperties xmlns="http://schemas.microsoft.com/sharepoint/v3" xsi:nil="true"/>
-    <ImageTagsTaxHTField xmlns="71af3243-3dd4-4a8d-8c0d-dd76da1f02a5">
-      <Terms xmlns="http://schemas.microsoft.com/office/infopath/2007/PartnerControls"/>
-    </ImageTagsTaxHTField>
-    <TaxCatchAll xmlns="230e9df3-be65-4c73-a93b-d1236ebd677e" xsi:nil="true"/>
-    <MediaServiceKeyPoints xmlns="71af3243-3dd4-4a8d-8c0d-dd76da1f02a5" xsi:nil="true"/>
-  </documentManagement>
-</p:properties>
-</file>
-
-<file path=customXml/item3.xml><?xml version="1.0" encoding="utf-8"?>
 <ct:contentTypeSchema xmlns:ct="http://schemas.microsoft.com/office/2006/metadata/contentType" xmlns:ma="http://schemas.microsoft.com/office/2006/metadata/properties/metaAttributes" ct:_="" ma:_="" ma:contentTypeName="Document" ma:contentTypeID="0x01010079F111ED35F8CC479449609E8A0923A6" ma:contentTypeVersion="28" ma:contentTypeDescription="Create a new document." ma:contentTypeScope="" ma:versionID="60f5a4f2d2b0abadcf532d48ebf9cb71">
   <xsd:schema xmlns:xsd="http://www.w3.org/2001/XMLSchema" xmlns:xs="http://www.w3.org/2001/XMLSchema" xmlns:p="http://schemas.microsoft.com/office/2006/metadata/properties" xmlns:ns1="http://schemas.microsoft.com/sharepoint/v3" xmlns:ns2="71af3243-3dd4-4a8d-8c0d-dd76da1f02a5" xmlns:ns3="16c05727-aa75-4e4a-9b5f-8a80a1165891" xmlns:ns4="230e9df3-be65-4c73-a93b-d1236ebd677e" targetNamespace="http://schemas.microsoft.com/office/2006/metadata/properties" ma:root="true" ma:fieldsID="7dd78129e6a1811f84807ad11c651531" ns1:_="" ns2:_="" ns3:_="" ns4:_="">
     <xsd:import namespace="http://schemas.microsoft.com/sharepoint/v3"/>
@@ -21477,6 +21467,26 @@
 </ct:contentTypeSchema>
 </file>
 
+<file path=customXml/item3.xml><?xml version="1.0" encoding="utf-8"?>
+<p:properties xmlns:p="http://schemas.microsoft.com/office/2006/metadata/properties" xmlns:xsi="http://www.w3.org/2001/XMLSchema-instance" xmlns:pc="http://schemas.microsoft.com/office/infopath/2007/PartnerControls">
+  <documentManagement>
+    <Background xmlns="71af3243-3dd4-4a8d-8c0d-dd76da1f02a5">false</Background>
+    <Status xmlns="71af3243-3dd4-4a8d-8c0d-dd76da1f02a5">Not started</Status>
+    <_ip_UnifiedCompliancePolicyUIAction xmlns="http://schemas.microsoft.com/sharepoint/v3" xsi:nil="true"/>
+    <Image xmlns="71af3243-3dd4-4a8d-8c0d-dd76da1f02a5">
+      <Url xsi:nil="true"/>
+      <Description xsi:nil="true"/>
+    </Image>
+    <_ip_UnifiedCompliancePolicyProperties xmlns="http://schemas.microsoft.com/sharepoint/v3" xsi:nil="true"/>
+    <ImageTagsTaxHTField xmlns="71af3243-3dd4-4a8d-8c0d-dd76da1f02a5">
+      <Terms xmlns="http://schemas.microsoft.com/office/infopath/2007/PartnerControls"/>
+    </ImageTagsTaxHTField>
+    <TaxCatchAll xmlns="230e9df3-be65-4c73-a93b-d1236ebd677e" xsi:nil="true"/>
+    <MediaServiceKeyPoints xmlns="71af3243-3dd4-4a8d-8c0d-dd76da1f02a5" xsi:nil="true"/>
+  </documentManagement>
+</p:properties>
+</file>
+
 <file path=customXml/itemProps1.xml><?xml version="1.0" encoding="utf-8"?>
 <ds:datastoreItem xmlns:ds="http://schemas.openxmlformats.org/officeDocument/2006/customXml" ds:itemID="{4C5C2001-E626-4890-B405-22B5BD1CB05A}">
   <ds:schemaRefs>
@@ -21486,18 +21496,6 @@
 </file>
 
 <file path=customXml/itemProps2.xml><?xml version="1.0" encoding="utf-8"?>
-<ds:datastoreItem xmlns:ds="http://schemas.openxmlformats.org/officeDocument/2006/customXml" ds:itemID="{80D7C3E5-1734-4636-9EC5-AEB06BF1FB20}">
-  <ds:schemaRefs>
-    <ds:schemaRef ds:uri="http://schemas.microsoft.com/office/2006/metadata/properties"/>
-    <ds:schemaRef ds:uri="http://schemas.microsoft.com/office/infopath/2007/PartnerControls"/>
-    <ds:schemaRef ds:uri="71af3243-3dd4-4a8d-8c0d-dd76da1f02a5"/>
-    <ds:schemaRef ds:uri="http://schemas.microsoft.com/sharepoint/v3"/>
-    <ds:schemaRef ds:uri="230e9df3-be65-4c73-a93b-d1236ebd677e"/>
-  </ds:schemaRefs>
-</ds:datastoreItem>
-</file>
-
-<file path=customXml/itemProps3.xml><?xml version="1.0" encoding="utf-8"?>
 <ds:datastoreItem xmlns:ds="http://schemas.openxmlformats.org/officeDocument/2006/customXml" ds:itemID="{55453AF4-4FB0-4B39-9296-55DED383E987}">
   <ds:schemaRefs>
     <ds:schemaRef ds:uri="http://schemas.microsoft.com/office/2006/metadata/contentType"/>
@@ -21518,6 +21516,18 @@
 </ds:datastoreItem>
 </file>
 
+<file path=customXml/itemProps3.xml><?xml version="1.0" encoding="utf-8"?>
+<ds:datastoreItem xmlns:ds="http://schemas.openxmlformats.org/officeDocument/2006/customXml" ds:itemID="{80D7C3E5-1734-4636-9EC5-AEB06BF1FB20}">
+  <ds:schemaRefs>
+    <ds:schemaRef ds:uri="http://schemas.microsoft.com/office/2006/metadata/properties"/>
+    <ds:schemaRef ds:uri="http://schemas.microsoft.com/office/infopath/2007/PartnerControls"/>
+    <ds:schemaRef ds:uri="71af3243-3dd4-4a8d-8c0d-dd76da1f02a5"/>
+    <ds:schemaRef ds:uri="http://schemas.microsoft.com/sharepoint/v3"/>
+    <ds:schemaRef ds:uri="230e9df3-be65-4c73-a93b-d1236ebd677e"/>
+  </ds:schemaRefs>
+</ds:datastoreItem>
+</file>
+
 <file path=docMetadata/LabelInfo.xml><?xml version="1.0" encoding="utf-8"?>
 <clbl:labelList xmlns:clbl="http://schemas.microsoft.com/office/2020/mipLabelMetadata"/>
 </file>
--- a/PROJECT PRE.pptx
+++ b/PROJECT PRE.pptx
@@ -18742,9 +18742,16 @@
             <p:ph type="title"/>
           </p:nvPr>
         </p:nvSpPr>
-        <p:spPr/>
+        <p:spPr>
+          <a:xfrm>
+            <a:off x="1097681" y="813335"/>
+            <a:ext cx="9525000" cy="86627"/>
+          </a:xfrm>
+        </p:spPr>
         <p:txBody>
-          <a:bodyPr/>
+          <a:bodyPr>
+            <a:normAutofit fontScale="90000"/>
+          </a:bodyPr>
           <a:lstStyle/>
           <a:p>
             <a:r>
@@ -18755,12 +18762,8 @@
               <a:rPr lang="en-GB" dirty="0"/>
             </a:br>
             <a:br>
-              <a:rPr lang="en-GB"/>
+              <a:rPr lang="en-GB" dirty="0"/>
             </a:br>
-            <a:r>
-              <a:rPr lang="en-GB"/>
-              <a:t>System</a:t>
-            </a:r>
             <a:endParaRPr lang="en-IN" dirty="0"/>
           </a:p>
         </p:txBody>
@@ -18792,6 +18795,702 @@
               <a:t>5</a:t>
             </a:fld>
             <a:endParaRPr lang="en-US" dirty="0"/>
+          </a:p>
+        </p:txBody>
+      </p:sp>
+      <p:sp>
+        <p:nvSpPr>
+          <p:cNvPr id="7" name="Rectangle 3">
+            <a:extLst>
+              <a:ext uri="{FF2B5EF4-FFF2-40B4-BE49-F238E27FC236}">
+                <a16:creationId xmlns:a16="http://schemas.microsoft.com/office/drawing/2014/main" id="{8C499E8C-B37B-11FA-F0CF-255ACE50110E}"/>
+              </a:ext>
+            </a:extLst>
+          </p:cNvPr>
+          <p:cNvSpPr>
+            <a:spLocks noChangeArrowheads="1"/>
+          </p:cNvSpPr>
+          <p:nvPr/>
+        </p:nvSpPr>
+        <p:spPr bwMode="auto">
+          <a:xfrm>
+            <a:off x="1097680" y="1516831"/>
+            <a:ext cx="10314039" cy="1569660"/>
+          </a:xfrm>
+          <a:prstGeom prst="rect">
+            <a:avLst/>
+          </a:prstGeom>
+          <a:noFill/>
+          <a:ln>
+            <a:noFill/>
+          </a:ln>
+          <a:effectLst/>
+          <a:extLst>
+            <a:ext uri="{909E8E84-426E-40DD-AFC4-6F175D3DCCD1}">
+              <a14:hiddenFill xmlns:a14="http://schemas.microsoft.com/office/drawing/2010/main">
+                <a:solidFill>
+                  <a:schemeClr val="accent1"/>
+                </a:solidFill>
+              </a14:hiddenFill>
+            </a:ext>
+            <a:ext uri="{91240B29-F687-4F45-9708-019B960494DF}">
+              <a14:hiddenLine xmlns:a14="http://schemas.microsoft.com/office/drawing/2010/main" w="9525">
+                <a:solidFill>
+                  <a:schemeClr val="tx1"/>
+                </a:solidFill>
+                <a:miter lim="800000"/>
+                <a:headEnd/>
+                <a:tailEnd/>
+              </a14:hiddenLine>
+            </a:ext>
+            <a:ext uri="{AF507438-7753-43E0-B8FC-AC1667EBCBE1}">
+              <a14:hiddenEffects xmlns:a14="http://schemas.microsoft.com/office/drawing/2010/main">
+                <a:effectLst>
+                  <a:outerShdw dist="35921" dir="2700000" algn="ctr" rotWithShape="0">
+                    <a:schemeClr val="bg2"/>
+                  </a:outerShdw>
+                </a:effectLst>
+              </a14:hiddenEffects>
+            </a:ext>
+          </a:extLst>
+        </p:spPr>
+        <p:txBody>
+          <a:bodyPr vert="horz" wrap="square" lIns="91440" tIns="45720" rIns="91440" bIns="45720" numCol="1" anchor="ctr" anchorCtr="0" compatLnSpc="1">
+            <a:prstTxWarp prst="textNoShape">
+              <a:avLst/>
+            </a:prstTxWarp>
+            <a:spAutoFit/>
+          </a:bodyPr>
+          <a:lstStyle/>
+          <a:p>
+            <a:pPr marL="285750" marR="0" lvl="0" indent="-285750" algn="l" defTabSz="914400" rtl="0" eaLnBrk="0" fontAlgn="base" latinLnBrk="0" hangingPunct="0">
+              <a:lnSpc>
+                <a:spcPct val="100000"/>
+              </a:lnSpc>
+              <a:spcBef>
+                <a:spcPct val="0"/>
+              </a:spcBef>
+              <a:spcAft>
+                <a:spcPct val="0"/>
+              </a:spcAft>
+              <a:buClrTx/>
+              <a:buSzTx/>
+              <a:buFont typeface="Wingdings" panose="05000000000000000000" pitchFamily="2" charset="2"/>
+              <a:buChar char="Ø"/>
+              <a:tabLst/>
+            </a:pPr>
+            <a:r>
+              <a:rPr kumimoji="0" lang="en-US" altLang="en-US" sz="1600" b="1" i="0" u="none" strike="noStrike" cap="none" normalizeH="0" baseline="0" dirty="0">
+                <a:ln>
+                  <a:noFill/>
+                </a:ln>
+                <a:solidFill>
+                  <a:schemeClr val="tx1"/>
+                </a:solidFill>
+                <a:effectLst/>
+              </a:rPr>
+              <a:t>Processor</a:t>
+            </a:r>
+            <a:r>
+              <a:rPr kumimoji="0" lang="en-US" altLang="en-US" sz="1600" b="0" i="0" u="none" strike="noStrike" cap="none" normalizeH="0" baseline="0" dirty="0">
+                <a:ln>
+                  <a:noFill/>
+                </a:ln>
+                <a:solidFill>
+                  <a:schemeClr val="tx1"/>
+                </a:solidFill>
+                <a:effectLst/>
+              </a:rPr>
+              <a:t>: A modern multi-core CPU. Most mid-range and high-end CPUs will suffice.</a:t>
+            </a:r>
+          </a:p>
+          <a:p>
+            <a:pPr marL="285750" marR="0" lvl="0" indent="-285750" algn="l" defTabSz="914400" rtl="0" eaLnBrk="0" fontAlgn="base" latinLnBrk="0" hangingPunct="0">
+              <a:lnSpc>
+                <a:spcPct val="100000"/>
+              </a:lnSpc>
+              <a:spcBef>
+                <a:spcPct val="0"/>
+              </a:spcBef>
+              <a:spcAft>
+                <a:spcPct val="0"/>
+              </a:spcAft>
+              <a:buClrTx/>
+              <a:buSzTx/>
+              <a:buFont typeface="Wingdings" panose="05000000000000000000" pitchFamily="2" charset="2"/>
+              <a:buChar char="Ø"/>
+              <a:tabLst/>
+            </a:pPr>
+            <a:r>
+              <a:rPr kumimoji="0" lang="en-US" altLang="en-US" sz="1600" b="1" i="0" u="none" strike="noStrike" cap="none" normalizeH="0" baseline="0" dirty="0">
+                <a:ln>
+                  <a:noFill/>
+                </a:ln>
+                <a:solidFill>
+                  <a:schemeClr val="tx1"/>
+                </a:solidFill>
+                <a:effectLst/>
+              </a:rPr>
+              <a:t>Memory (RAM)</a:t>
+            </a:r>
+            <a:r>
+              <a:rPr kumimoji="0" lang="en-US" altLang="en-US" sz="1600" b="0" i="0" u="none" strike="noStrike" cap="none" normalizeH="0" baseline="0" dirty="0">
+                <a:ln>
+                  <a:noFill/>
+                </a:ln>
+                <a:solidFill>
+                  <a:schemeClr val="tx1"/>
+                </a:solidFill>
+                <a:effectLst/>
+              </a:rPr>
+              <a:t>: At least 4 GB of RAM, although 8 GB or more is recommended for smoother performance, especially if dealing with larger datasets.</a:t>
+            </a:r>
+          </a:p>
+          <a:p>
+            <a:pPr marL="285750" marR="0" lvl="0" indent="-285750" algn="l" defTabSz="914400" rtl="0" eaLnBrk="0" fontAlgn="base" latinLnBrk="0" hangingPunct="0">
+              <a:lnSpc>
+                <a:spcPct val="100000"/>
+              </a:lnSpc>
+              <a:spcBef>
+                <a:spcPct val="0"/>
+              </a:spcBef>
+              <a:spcAft>
+                <a:spcPct val="0"/>
+              </a:spcAft>
+              <a:buClrTx/>
+              <a:buSzTx/>
+              <a:buFont typeface="Wingdings" panose="05000000000000000000" pitchFamily="2" charset="2"/>
+              <a:buChar char="Ø"/>
+              <a:tabLst/>
+            </a:pPr>
+            <a:r>
+              <a:rPr kumimoji="0" lang="en-US" altLang="en-US" sz="1600" b="1" i="0" u="none" strike="noStrike" cap="none" normalizeH="0" baseline="0" dirty="0">
+                <a:ln>
+                  <a:noFill/>
+                </a:ln>
+                <a:solidFill>
+                  <a:schemeClr val="tx1"/>
+                </a:solidFill>
+                <a:effectLst/>
+              </a:rPr>
+              <a:t>Storage</a:t>
+            </a:r>
+            <a:r>
+              <a:rPr kumimoji="0" lang="en-US" altLang="en-US" sz="1600" b="0" i="0" u="none" strike="noStrike" cap="none" normalizeH="0" baseline="0" dirty="0">
+                <a:ln>
+                  <a:noFill/>
+                </a:ln>
+                <a:solidFill>
+                  <a:schemeClr val="tx1"/>
+                </a:solidFill>
+                <a:effectLst/>
+              </a:rPr>
+              <a:t>: Sufficient disk space to store the dataset, model, and any dependencies. A minimum of 1 GB of free space is recommended.</a:t>
+            </a:r>
+          </a:p>
+          <a:p>
+            <a:pPr marL="285750" marR="0" lvl="0" indent="-285750" algn="l" defTabSz="914400" rtl="0" eaLnBrk="0" fontAlgn="base" latinLnBrk="0" hangingPunct="0">
+              <a:lnSpc>
+                <a:spcPct val="100000"/>
+              </a:lnSpc>
+              <a:spcBef>
+                <a:spcPct val="0"/>
+              </a:spcBef>
+              <a:spcAft>
+                <a:spcPct val="0"/>
+              </a:spcAft>
+              <a:buClrTx/>
+              <a:buSzTx/>
+              <a:buFont typeface="Wingdings" panose="05000000000000000000" pitchFamily="2" charset="2"/>
+              <a:buChar char="Ø"/>
+              <a:tabLst/>
+            </a:pPr>
+            <a:r>
+              <a:rPr kumimoji="0" lang="en-US" altLang="en-US" sz="1600" b="1" i="0" u="none" strike="noStrike" cap="none" normalizeH="0" baseline="0" dirty="0">
+                <a:ln>
+                  <a:noFill/>
+                </a:ln>
+                <a:solidFill>
+                  <a:schemeClr val="tx1"/>
+                </a:solidFill>
+                <a:effectLst/>
+              </a:rPr>
+              <a:t>Internet Connection</a:t>
+            </a:r>
+            <a:r>
+              <a:rPr kumimoji="0" lang="en-US" altLang="en-US" sz="1600" b="0" i="0" u="none" strike="noStrike" cap="none" normalizeH="0" baseline="0" dirty="0">
+                <a:ln>
+                  <a:noFill/>
+                </a:ln>
+                <a:solidFill>
+                  <a:schemeClr val="tx1"/>
+                </a:solidFill>
+                <a:effectLst/>
+              </a:rPr>
+              <a:t>: Required for downloading NLTK data and any necessary libraries. </a:t>
+            </a:r>
+          </a:p>
+        </p:txBody>
+      </p:sp>
+      <p:sp>
+        <p:nvSpPr>
+          <p:cNvPr id="10" name="TextBox 9">
+            <a:extLst>
+              <a:ext uri="{FF2B5EF4-FFF2-40B4-BE49-F238E27FC236}">
+                <a16:creationId xmlns:a16="http://schemas.microsoft.com/office/drawing/2014/main" id="{32E21808-AD99-80D3-4EDF-E18163F11925}"/>
+              </a:ext>
+            </a:extLst>
+          </p:cNvPr>
+          <p:cNvSpPr txBox="1"/>
+          <p:nvPr/>
+        </p:nvSpPr>
+        <p:spPr>
+          <a:xfrm>
+            <a:off x="1097680" y="973249"/>
+            <a:ext cx="6095198" cy="461665"/>
+          </a:xfrm>
+          <a:prstGeom prst="rect">
+            <a:avLst/>
+          </a:prstGeom>
+          <a:noFill/>
+        </p:spPr>
+        <p:txBody>
+          <a:bodyPr wrap="square">
+            <a:spAutoFit/>
+          </a:bodyPr>
+          <a:lstStyle/>
+          <a:p>
+            <a:r>
+              <a:rPr lang="en-IN" sz="2400" b="1" dirty="0"/>
+              <a:t>System Requirements:</a:t>
+            </a:r>
+          </a:p>
+        </p:txBody>
+      </p:sp>
+      <p:sp>
+        <p:nvSpPr>
+          <p:cNvPr id="12" name="TextBox 11">
+            <a:extLst>
+              <a:ext uri="{FF2B5EF4-FFF2-40B4-BE49-F238E27FC236}">
+                <a16:creationId xmlns:a16="http://schemas.microsoft.com/office/drawing/2014/main" id="{52E80D7B-D2D0-EA70-E261-B1BC2FBA5693}"/>
+              </a:ext>
+            </a:extLst>
+          </p:cNvPr>
+          <p:cNvSpPr txBox="1"/>
+          <p:nvPr/>
+        </p:nvSpPr>
+        <p:spPr>
+          <a:xfrm>
+            <a:off x="1097680" y="3605753"/>
+            <a:ext cx="6095198" cy="400110"/>
+          </a:xfrm>
+          <a:prstGeom prst="rect">
+            <a:avLst/>
+          </a:prstGeom>
+          <a:noFill/>
+        </p:spPr>
+        <p:txBody>
+          <a:bodyPr wrap="square">
+            <a:spAutoFit/>
+          </a:bodyPr>
+          <a:lstStyle/>
+          <a:p>
+            <a:r>
+              <a:rPr lang="en-IN" sz="2000" b="1" dirty="0"/>
+              <a:t>Library Required To Build the Model:</a:t>
+            </a:r>
+          </a:p>
+        </p:txBody>
+      </p:sp>
+      <p:sp>
+        <p:nvSpPr>
+          <p:cNvPr id="14" name="TextBox 13">
+            <a:extLst>
+              <a:ext uri="{FF2B5EF4-FFF2-40B4-BE49-F238E27FC236}">
+                <a16:creationId xmlns:a16="http://schemas.microsoft.com/office/drawing/2014/main" id="{5D418CDF-23A2-B648-76E8-55D7FB06CB06}"/>
+              </a:ext>
+            </a:extLst>
+          </p:cNvPr>
+          <p:cNvSpPr txBox="1"/>
+          <p:nvPr/>
+        </p:nvSpPr>
+        <p:spPr>
+          <a:xfrm>
+            <a:off x="3048401" y="4082806"/>
+            <a:ext cx="6095198" cy="1754326"/>
+          </a:xfrm>
+          <a:prstGeom prst="rect">
+            <a:avLst/>
+          </a:prstGeom>
+          <a:noFill/>
+        </p:spPr>
+        <p:txBody>
+          <a:bodyPr wrap="square">
+            <a:spAutoFit/>
+          </a:bodyPr>
+          <a:lstStyle/>
+          <a:p>
+            <a:pPr marL="285750" marR="0" lvl="0" indent="-285750" algn="l" defTabSz="914400" rtl="0" eaLnBrk="0" fontAlgn="base" latinLnBrk="0" hangingPunct="0">
+              <a:lnSpc>
+                <a:spcPct val="100000"/>
+              </a:lnSpc>
+              <a:spcBef>
+                <a:spcPct val="0"/>
+              </a:spcBef>
+              <a:spcAft>
+                <a:spcPct val="0"/>
+              </a:spcAft>
+              <a:buClrTx/>
+              <a:buSzTx/>
+              <a:buFont typeface="Wingdings" panose="05000000000000000000" pitchFamily="2" charset="2"/>
+              <a:buChar char="Ø"/>
+              <a:tabLst/>
+            </a:pPr>
+            <a:r>
+              <a:rPr kumimoji="0" lang="en-US" altLang="en-US" sz="1800" b="0" i="0" u="none" strike="noStrike" cap="none" normalizeH="0" baseline="0" dirty="0">
+                <a:ln>
+                  <a:noFill/>
+                </a:ln>
+                <a:solidFill>
+                  <a:schemeClr val="tx1"/>
+                </a:solidFill>
+                <a:effectLst/>
+              </a:rPr>
+              <a:t>Pandas</a:t>
+            </a:r>
+          </a:p>
+          <a:p>
+            <a:pPr marL="285750" marR="0" lvl="0" indent="-285750" algn="l" defTabSz="914400" rtl="0" eaLnBrk="0" fontAlgn="base" latinLnBrk="0" hangingPunct="0">
+              <a:lnSpc>
+                <a:spcPct val="100000"/>
+              </a:lnSpc>
+              <a:spcBef>
+                <a:spcPct val="0"/>
+              </a:spcBef>
+              <a:spcAft>
+                <a:spcPct val="0"/>
+              </a:spcAft>
+              <a:buClrTx/>
+              <a:buSzTx/>
+              <a:buFont typeface="Wingdings" panose="05000000000000000000" pitchFamily="2" charset="2"/>
+              <a:buChar char="Ø"/>
+              <a:tabLst/>
+            </a:pPr>
+            <a:r>
+              <a:rPr lang="en-US" altLang="en-US" dirty="0"/>
+              <a:t>Pickle</a:t>
+            </a:r>
+          </a:p>
+          <a:p>
+            <a:pPr marL="285750" marR="0" lvl="0" indent="-285750" algn="l" defTabSz="914400" rtl="0" eaLnBrk="0" fontAlgn="base" latinLnBrk="0" hangingPunct="0">
+              <a:lnSpc>
+                <a:spcPct val="100000"/>
+              </a:lnSpc>
+              <a:spcBef>
+                <a:spcPct val="0"/>
+              </a:spcBef>
+              <a:spcAft>
+                <a:spcPct val="0"/>
+              </a:spcAft>
+              <a:buClrTx/>
+              <a:buSzTx/>
+              <a:buFont typeface="Wingdings" panose="05000000000000000000" pitchFamily="2" charset="2"/>
+              <a:buChar char="Ø"/>
+              <a:tabLst/>
+            </a:pPr>
+            <a:r>
+              <a:rPr kumimoji="0" lang="en-US" altLang="en-US" sz="1800" b="0" i="0" u="none" strike="noStrike" cap="none" normalizeH="0" baseline="0" dirty="0" err="1">
+                <a:ln>
+                  <a:noFill/>
+                </a:ln>
+                <a:solidFill>
+                  <a:schemeClr val="tx1"/>
+                </a:solidFill>
+                <a:effectLst/>
+              </a:rPr>
+              <a:t>Nltk</a:t>
+            </a:r>
+            <a:endParaRPr kumimoji="0" lang="en-IN" altLang="en-US" sz="1800" i="0" u="none" strike="noStrike" cap="none" normalizeH="0" baseline="0" dirty="0">
+              <a:ln>
+                <a:noFill/>
+              </a:ln>
+              <a:solidFill>
+                <a:srgbClr val="CCCCCC"/>
+              </a:solidFill>
+              <a:highlight>
+                <a:srgbClr val="1F1F1F"/>
+              </a:highlight>
+              <a:latin typeface="Consolas" panose="020B0609020204030204" pitchFamily="49" charset="0"/>
+            </a:endParaRPr>
+          </a:p>
+          <a:p>
+            <a:pPr marL="285750" marR="0" lvl="0" indent="-285750" algn="l" defTabSz="914400" rtl="0" eaLnBrk="0" fontAlgn="base" latinLnBrk="0" hangingPunct="0">
+              <a:lnSpc>
+                <a:spcPct val="100000"/>
+              </a:lnSpc>
+              <a:spcBef>
+                <a:spcPct val="0"/>
+              </a:spcBef>
+              <a:spcAft>
+                <a:spcPct val="0"/>
+              </a:spcAft>
+              <a:buClrTx/>
+              <a:buSzTx/>
+              <a:buFont typeface="Wingdings" panose="05000000000000000000" pitchFamily="2" charset="2"/>
+              <a:buChar char="Ø"/>
+              <a:tabLst/>
+            </a:pPr>
+            <a:r>
+              <a:rPr kumimoji="0" lang="en-US" altLang="en-US" sz="1800" b="0" i="0" u="none" strike="noStrike" cap="none" normalizeH="0" baseline="0" dirty="0" err="1">
+                <a:ln>
+                  <a:noFill/>
+                </a:ln>
+                <a:solidFill>
+                  <a:schemeClr val="tx1"/>
+                </a:solidFill>
+                <a:effectLst/>
+              </a:rPr>
+              <a:t>TfidfVectorizer</a:t>
+            </a:r>
+            <a:endParaRPr kumimoji="0" lang="en-US" altLang="en-US" sz="1800" b="0" i="0" u="none" strike="noStrike" cap="none" normalizeH="0" baseline="0" dirty="0">
+              <a:ln>
+                <a:noFill/>
+              </a:ln>
+              <a:solidFill>
+                <a:schemeClr val="tx1"/>
+              </a:solidFill>
+              <a:effectLst/>
+            </a:endParaRPr>
+          </a:p>
+          <a:p>
+            <a:pPr marL="285750" marR="0" lvl="0" indent="-285750" algn="l" defTabSz="914400" rtl="0" eaLnBrk="0" fontAlgn="base" latinLnBrk="0" hangingPunct="0">
+              <a:lnSpc>
+                <a:spcPct val="100000"/>
+              </a:lnSpc>
+              <a:spcBef>
+                <a:spcPct val="0"/>
+              </a:spcBef>
+              <a:spcAft>
+                <a:spcPct val="0"/>
+              </a:spcAft>
+              <a:buClrTx/>
+              <a:buSzTx/>
+              <a:buFont typeface="Wingdings" panose="05000000000000000000" pitchFamily="2" charset="2"/>
+              <a:buChar char="Ø"/>
+              <a:tabLst/>
+            </a:pPr>
+            <a:r>
+              <a:rPr lang="en-US" altLang="en-US" dirty="0" err="1"/>
+              <a:t>MultinomialNB</a:t>
+            </a:r>
+            <a:endParaRPr lang="en-US" altLang="en-US" dirty="0"/>
+          </a:p>
+          <a:p>
+            <a:pPr marR="0" lvl="0" algn="l" defTabSz="914400" rtl="0" eaLnBrk="0" fontAlgn="base" latinLnBrk="0" hangingPunct="0">
+              <a:lnSpc>
+                <a:spcPct val="100000"/>
+              </a:lnSpc>
+              <a:spcBef>
+                <a:spcPct val="0"/>
+              </a:spcBef>
+              <a:spcAft>
+                <a:spcPct val="0"/>
+              </a:spcAft>
+              <a:buClrTx/>
+              <a:buSzTx/>
+              <a:tabLst/>
+            </a:pPr>
+            <a:endParaRPr kumimoji="0" lang="en-US" altLang="en-US" sz="1800" b="0" i="0" u="none" strike="noStrike" cap="none" normalizeH="0" baseline="0" dirty="0">
+              <a:ln>
+                <a:noFill/>
+              </a:ln>
+              <a:solidFill>
+                <a:schemeClr val="tx1"/>
+              </a:solidFill>
+              <a:effectLst/>
+            </a:endParaRPr>
+          </a:p>
+        </p:txBody>
+      </p:sp>
+      <p:sp>
+        <p:nvSpPr>
+          <p:cNvPr id="16" name="TextBox 15">
+            <a:extLst>
+              <a:ext uri="{FF2B5EF4-FFF2-40B4-BE49-F238E27FC236}">
+                <a16:creationId xmlns:a16="http://schemas.microsoft.com/office/drawing/2014/main" id="{13D2E462-F408-411C-7A32-07B489142E29}"/>
+              </a:ext>
+            </a:extLst>
+          </p:cNvPr>
+          <p:cNvSpPr txBox="1"/>
+          <p:nvPr/>
+        </p:nvSpPr>
+        <p:spPr>
+          <a:xfrm>
+            <a:off x="6531683" y="4082806"/>
+            <a:ext cx="6094674" cy="1477328"/>
+          </a:xfrm>
+          <a:prstGeom prst="rect">
+            <a:avLst/>
+          </a:prstGeom>
+          <a:noFill/>
+        </p:spPr>
+        <p:txBody>
+          <a:bodyPr wrap="square">
+            <a:spAutoFit/>
+          </a:bodyPr>
+          <a:lstStyle/>
+          <a:p>
+            <a:pPr marL="285750" marR="0" lvl="0" indent="-285750" algn="l" defTabSz="914400" rtl="0" eaLnBrk="0" fontAlgn="base" latinLnBrk="0" hangingPunct="0">
+              <a:lnSpc>
+                <a:spcPct val="100000"/>
+              </a:lnSpc>
+              <a:spcBef>
+                <a:spcPct val="0"/>
+              </a:spcBef>
+              <a:spcAft>
+                <a:spcPct val="0"/>
+              </a:spcAft>
+              <a:buClrTx/>
+              <a:buSzTx/>
+              <a:buFont typeface="Wingdings" panose="05000000000000000000" pitchFamily="2" charset="2"/>
+              <a:buChar char="Ø"/>
+              <a:tabLst/>
+            </a:pPr>
+            <a:r>
+              <a:rPr kumimoji="0" lang="en-US" altLang="en-US" sz="1800" b="0" i="0" u="none" strike="noStrike" cap="none" normalizeH="0" baseline="0" dirty="0" err="1">
+                <a:ln>
+                  <a:noFill/>
+                </a:ln>
+                <a:solidFill>
+                  <a:schemeClr val="tx1"/>
+                </a:solidFill>
+                <a:effectLst/>
+              </a:rPr>
+              <a:t>Wordcloud</a:t>
+            </a:r>
+            <a:endParaRPr kumimoji="0" lang="en-US" altLang="en-US" sz="1800" b="0" i="0" u="none" strike="noStrike" cap="none" normalizeH="0" baseline="0" dirty="0">
+              <a:ln>
+                <a:noFill/>
+              </a:ln>
+              <a:solidFill>
+                <a:schemeClr val="tx1"/>
+              </a:solidFill>
+              <a:effectLst/>
+            </a:endParaRPr>
+          </a:p>
+          <a:p>
+            <a:pPr marL="285750" marR="0" lvl="0" indent="-285750" algn="l" defTabSz="914400" rtl="0" eaLnBrk="0" fontAlgn="base" latinLnBrk="0" hangingPunct="0">
+              <a:lnSpc>
+                <a:spcPct val="100000"/>
+              </a:lnSpc>
+              <a:spcBef>
+                <a:spcPct val="0"/>
+              </a:spcBef>
+              <a:spcAft>
+                <a:spcPct val="0"/>
+              </a:spcAft>
+              <a:buClrTx/>
+              <a:buSzTx/>
+              <a:buFont typeface="Wingdings" panose="05000000000000000000" pitchFamily="2" charset="2"/>
+              <a:buChar char="Ø"/>
+              <a:tabLst/>
+            </a:pPr>
+            <a:r>
+              <a:rPr lang="en-US" altLang="en-US" dirty="0"/>
+              <a:t>Seaborn</a:t>
+            </a:r>
+          </a:p>
+          <a:p>
+            <a:pPr marL="285750" marR="0" lvl="0" indent="-285750" algn="l" defTabSz="914400" rtl="0" eaLnBrk="0" fontAlgn="base" latinLnBrk="0" hangingPunct="0">
+              <a:lnSpc>
+                <a:spcPct val="100000"/>
+              </a:lnSpc>
+              <a:spcBef>
+                <a:spcPct val="0"/>
+              </a:spcBef>
+              <a:spcAft>
+                <a:spcPct val="0"/>
+              </a:spcAft>
+              <a:buClrTx/>
+              <a:buSzTx/>
+              <a:buFont typeface="Wingdings" panose="05000000000000000000" pitchFamily="2" charset="2"/>
+              <a:buChar char="Ø"/>
+              <a:tabLst/>
+            </a:pPr>
+            <a:r>
+              <a:rPr kumimoji="0" lang="en-US" altLang="en-US" sz="1800" b="0" i="0" u="none" strike="noStrike" cap="none" normalizeH="0" baseline="0" dirty="0" err="1">
+                <a:ln>
+                  <a:noFill/>
+                </a:ln>
+                <a:solidFill>
+                  <a:schemeClr val="tx1"/>
+                </a:solidFill>
+                <a:effectLst/>
+              </a:rPr>
+              <a:t>Numpy</a:t>
+            </a:r>
+            <a:endParaRPr kumimoji="0" lang="en-US" altLang="en-US" sz="1800" b="0" i="0" u="none" strike="noStrike" cap="none" normalizeH="0" baseline="0" dirty="0">
+              <a:ln>
+                <a:noFill/>
+              </a:ln>
+              <a:solidFill>
+                <a:schemeClr val="tx1"/>
+              </a:solidFill>
+              <a:effectLst/>
+            </a:endParaRPr>
+          </a:p>
+          <a:p>
+            <a:pPr marL="285750" marR="0" lvl="0" indent="-285750" algn="l" defTabSz="914400" rtl="0" eaLnBrk="0" fontAlgn="base" latinLnBrk="0" hangingPunct="0">
+              <a:lnSpc>
+                <a:spcPct val="100000"/>
+              </a:lnSpc>
+              <a:spcBef>
+                <a:spcPct val="0"/>
+              </a:spcBef>
+              <a:spcAft>
+                <a:spcPct val="0"/>
+              </a:spcAft>
+              <a:buClrTx/>
+              <a:buSzTx/>
+              <a:buFont typeface="Wingdings" panose="05000000000000000000" pitchFamily="2" charset="2"/>
+              <a:buChar char="Ø"/>
+              <a:tabLst/>
+            </a:pPr>
+            <a:r>
+              <a:rPr lang="en-US" altLang="en-US" dirty="0" err="1"/>
+              <a:t>Sklearn</a:t>
+            </a:r>
+            <a:endParaRPr lang="en-US" altLang="en-US" dirty="0"/>
+          </a:p>
+          <a:p>
+            <a:pPr marL="285750" marR="0" lvl="0" indent="-285750" algn="l" defTabSz="914400" rtl="0" eaLnBrk="0" fontAlgn="base" latinLnBrk="0" hangingPunct="0">
+              <a:lnSpc>
+                <a:spcPct val="100000"/>
+              </a:lnSpc>
+              <a:spcBef>
+                <a:spcPct val="0"/>
+              </a:spcBef>
+              <a:spcAft>
+                <a:spcPct val="0"/>
+              </a:spcAft>
+              <a:buClrTx/>
+              <a:buSzTx/>
+              <a:buFont typeface="Wingdings" panose="05000000000000000000" pitchFamily="2" charset="2"/>
+              <a:buChar char="Ø"/>
+              <a:tabLst/>
+            </a:pPr>
+            <a:r>
+              <a:rPr kumimoji="0" lang="en-US" altLang="en-US" sz="1800" b="0" i="0" u="none" strike="noStrike" cap="none" normalizeH="0" baseline="0" dirty="0">
+                <a:ln>
+                  <a:noFill/>
+                </a:ln>
+                <a:solidFill>
+                  <a:schemeClr val="tx1"/>
+                </a:solidFill>
+                <a:effectLst/>
+              </a:rPr>
+              <a:t>string</a:t>
+            </a:r>
           </a:p>
         </p:txBody>
       </p:sp>
@@ -21147,12 +21846,23 @@
 </file>
 
 <file path=customXml/item1.xml><?xml version="1.0" encoding="utf-8"?>
-<?mso-contentType ?>
-<FormTemplates xmlns="http://schemas.microsoft.com/sharepoint/v3/contenttype/forms">
-  <Display>DocumentLibraryForm</Display>
-  <Edit>DocumentLibraryForm</Edit>
-  <New>DocumentLibraryForm</New>
-</FormTemplates>
+<p:properties xmlns:p="http://schemas.microsoft.com/office/2006/metadata/properties" xmlns:xsi="http://www.w3.org/2001/XMLSchema-instance" xmlns:pc="http://schemas.microsoft.com/office/infopath/2007/PartnerControls">
+  <documentManagement>
+    <Background xmlns="71af3243-3dd4-4a8d-8c0d-dd76da1f02a5">false</Background>
+    <Status xmlns="71af3243-3dd4-4a8d-8c0d-dd76da1f02a5">Not started</Status>
+    <_ip_UnifiedCompliancePolicyUIAction xmlns="http://schemas.microsoft.com/sharepoint/v3" xsi:nil="true"/>
+    <Image xmlns="71af3243-3dd4-4a8d-8c0d-dd76da1f02a5">
+      <Url xsi:nil="true"/>
+      <Description xsi:nil="true"/>
+    </Image>
+    <_ip_UnifiedCompliancePolicyProperties xmlns="http://schemas.microsoft.com/sharepoint/v3" xsi:nil="true"/>
+    <ImageTagsTaxHTField xmlns="71af3243-3dd4-4a8d-8c0d-dd76da1f02a5">
+      <Terms xmlns="http://schemas.microsoft.com/office/infopath/2007/PartnerControls"/>
+    </ImageTagsTaxHTField>
+    <TaxCatchAll xmlns="230e9df3-be65-4c73-a93b-d1236ebd677e" xsi:nil="true"/>
+    <MediaServiceKeyPoints xmlns="71af3243-3dd4-4a8d-8c0d-dd76da1f02a5" xsi:nil="true"/>
+  </documentManagement>
+</p:properties>
 </file>
 
 <file path=customXml/item2.xml><?xml version="1.0" encoding="utf-8"?>
@@ -21468,29 +22178,22 @@
 </file>
 
 <file path=customXml/item3.xml><?xml version="1.0" encoding="utf-8"?>
-<p:properties xmlns:p="http://schemas.microsoft.com/office/2006/metadata/properties" xmlns:xsi="http://www.w3.org/2001/XMLSchema-instance" xmlns:pc="http://schemas.microsoft.com/office/infopath/2007/PartnerControls">
-  <documentManagement>
-    <Background xmlns="71af3243-3dd4-4a8d-8c0d-dd76da1f02a5">false</Background>
-    <Status xmlns="71af3243-3dd4-4a8d-8c0d-dd76da1f02a5">Not started</Status>
-    <_ip_UnifiedCompliancePolicyUIAction xmlns="http://schemas.microsoft.com/sharepoint/v3" xsi:nil="true"/>
-    <Image xmlns="71af3243-3dd4-4a8d-8c0d-dd76da1f02a5">
-      <Url xsi:nil="true"/>
-      <Description xsi:nil="true"/>
-    </Image>
-    <_ip_UnifiedCompliancePolicyProperties xmlns="http://schemas.microsoft.com/sharepoint/v3" xsi:nil="true"/>
-    <ImageTagsTaxHTField xmlns="71af3243-3dd4-4a8d-8c0d-dd76da1f02a5">
-      <Terms xmlns="http://schemas.microsoft.com/office/infopath/2007/PartnerControls"/>
-    </ImageTagsTaxHTField>
-    <TaxCatchAll xmlns="230e9df3-be65-4c73-a93b-d1236ebd677e" xsi:nil="true"/>
-    <MediaServiceKeyPoints xmlns="71af3243-3dd4-4a8d-8c0d-dd76da1f02a5" xsi:nil="true"/>
-  </documentManagement>
-</p:properties>
+<?mso-contentType ?>
+<FormTemplates xmlns="http://schemas.microsoft.com/sharepoint/v3/contenttype/forms">
+  <Display>DocumentLibraryForm</Display>
+  <Edit>DocumentLibraryForm</Edit>
+  <New>DocumentLibraryForm</New>
+</FormTemplates>
 </file>
 
 <file path=customXml/itemProps1.xml><?xml version="1.0" encoding="utf-8"?>
-<ds:datastoreItem xmlns:ds="http://schemas.openxmlformats.org/officeDocument/2006/customXml" ds:itemID="{4C5C2001-E626-4890-B405-22B5BD1CB05A}">
+<ds:datastoreItem xmlns:ds="http://schemas.openxmlformats.org/officeDocument/2006/customXml" ds:itemID="{80D7C3E5-1734-4636-9EC5-AEB06BF1FB20}">
   <ds:schemaRefs>
-    <ds:schemaRef ds:uri="http://schemas.microsoft.com/sharepoint/v3/contenttype/forms"/>
+    <ds:schemaRef ds:uri="http://schemas.microsoft.com/office/2006/metadata/properties"/>
+    <ds:schemaRef ds:uri="http://schemas.microsoft.com/office/infopath/2007/PartnerControls"/>
+    <ds:schemaRef ds:uri="71af3243-3dd4-4a8d-8c0d-dd76da1f02a5"/>
+    <ds:schemaRef ds:uri="http://schemas.microsoft.com/sharepoint/v3"/>
+    <ds:schemaRef ds:uri="230e9df3-be65-4c73-a93b-d1236ebd677e"/>
   </ds:schemaRefs>
 </ds:datastoreItem>
 </file>
@@ -21517,13 +22220,9 @@
 </file>
 
 <file path=customXml/itemProps3.xml><?xml version="1.0" encoding="utf-8"?>
-<ds:datastoreItem xmlns:ds="http://schemas.openxmlformats.org/officeDocument/2006/customXml" ds:itemID="{80D7C3E5-1734-4636-9EC5-AEB06BF1FB20}">
+<ds:datastoreItem xmlns:ds="http://schemas.openxmlformats.org/officeDocument/2006/customXml" ds:itemID="{4C5C2001-E626-4890-B405-22B5BD1CB05A}">
   <ds:schemaRefs>
-    <ds:schemaRef ds:uri="http://schemas.microsoft.com/office/2006/metadata/properties"/>
-    <ds:schemaRef ds:uri="http://schemas.microsoft.com/office/infopath/2007/PartnerControls"/>
-    <ds:schemaRef ds:uri="71af3243-3dd4-4a8d-8c0d-dd76da1f02a5"/>
-    <ds:schemaRef ds:uri="http://schemas.microsoft.com/sharepoint/v3"/>
-    <ds:schemaRef ds:uri="230e9df3-be65-4c73-a93b-d1236ebd677e"/>
+    <ds:schemaRef ds:uri="http://schemas.microsoft.com/sharepoint/v3/contenttype/forms"/>
   </ds:schemaRefs>
 </ds:datastoreItem>
 </file>
